--- a/論文閱讀器.pptx
+++ b/論文閱讀器.pptx
@@ -106,6 +106,11 @@
       </a:defRPr>
     </a:lvl9pPr>
   </p:defaultTextStyle>
+  <p:extLst>
+    <p:ext uri="{EFAFB233-063F-42B5-8137-9DF3F51BA10A}">
+      <p15:sldGuideLst xmlns:p15="http://schemas.microsoft.com/office/powerpoint/2012/main"/>
+    </p:ext>
+  </p:extLst>
 </p:presentation>
 </file>
 
@@ -440,7 +445,7 @@
           <a:p>
             <a:fld id="{D2404376-2B65-46E7-AF6B-B4B349C2A528}" type="datetimeFigureOut">
               <a:rPr lang="zh-TW" altLang="en-US" smtClean="0"/>
-              <a:t>2024/7/15</a:t>
+              <a:t>2024/7/18</a:t>
             </a:fld>
             <a:endParaRPr lang="zh-TW" altLang="en-US"/>
           </a:p>
@@ -764,7 +769,7 @@
           <a:p>
             <a:fld id="{D2404376-2B65-46E7-AF6B-B4B349C2A528}" type="datetimeFigureOut">
               <a:rPr lang="zh-TW" altLang="en-US" smtClean="0"/>
-              <a:t>2024/7/15</a:t>
+              <a:t>2024/7/18</a:t>
             </a:fld>
             <a:endParaRPr lang="zh-TW" altLang="en-US"/>
           </a:p>
@@ -1012,7 +1017,7 @@
           <a:p>
             <a:fld id="{D2404376-2B65-46E7-AF6B-B4B349C2A528}" type="datetimeFigureOut">
               <a:rPr lang="zh-TW" altLang="en-US" smtClean="0"/>
-              <a:t>2024/7/15</a:t>
+              <a:t>2024/7/18</a:t>
             </a:fld>
             <a:endParaRPr lang="zh-TW" altLang="en-US"/>
           </a:p>
@@ -1351,7 +1356,7 @@
           <a:p>
             <a:fld id="{D2404376-2B65-46E7-AF6B-B4B349C2A528}" type="datetimeFigureOut">
               <a:rPr lang="zh-TW" altLang="en-US" smtClean="0"/>
-              <a:t>2024/7/15</a:t>
+              <a:t>2024/7/18</a:t>
             </a:fld>
             <a:endParaRPr lang="zh-TW" altLang="en-US"/>
           </a:p>
@@ -1698,7 +1703,7 @@
           <a:p>
             <a:fld id="{D2404376-2B65-46E7-AF6B-B4B349C2A528}" type="datetimeFigureOut">
               <a:rPr lang="zh-TW" altLang="en-US" smtClean="0"/>
-              <a:t>2024/7/15</a:t>
+              <a:t>2024/7/18</a:t>
             </a:fld>
             <a:endParaRPr lang="zh-TW" altLang="en-US"/>
           </a:p>
@@ -2072,7 +2077,7 @@
           <a:p>
             <a:fld id="{D2404376-2B65-46E7-AF6B-B4B349C2A528}" type="datetimeFigureOut">
               <a:rPr lang="zh-TW" altLang="en-US" smtClean="0"/>
-              <a:t>2024/7/15</a:t>
+              <a:t>2024/7/18</a:t>
             </a:fld>
             <a:endParaRPr lang="zh-TW" altLang="en-US"/>
           </a:p>
@@ -2542,7 +2547,7 @@
           <a:p>
             <a:fld id="{D2404376-2B65-46E7-AF6B-B4B349C2A528}" type="datetimeFigureOut">
               <a:rPr lang="zh-TW" altLang="en-US" smtClean="0"/>
-              <a:t>2024/7/15</a:t>
+              <a:t>2024/7/18</a:t>
             </a:fld>
             <a:endParaRPr lang="zh-TW" altLang="en-US"/>
           </a:p>
@@ -2747,7 +2752,7 @@
           <a:p>
             <a:fld id="{D2404376-2B65-46E7-AF6B-B4B349C2A528}" type="datetimeFigureOut">
               <a:rPr lang="zh-TW" altLang="en-US" smtClean="0"/>
-              <a:t>2024/7/15</a:t>
+              <a:t>2024/7/18</a:t>
             </a:fld>
             <a:endParaRPr lang="zh-TW" altLang="en-US"/>
           </a:p>
@@ -2958,7 +2963,7 @@
           <a:p>
             <a:fld id="{D2404376-2B65-46E7-AF6B-B4B349C2A528}" type="datetimeFigureOut">
               <a:rPr lang="zh-TW" altLang="en-US" smtClean="0"/>
-              <a:t>2024/7/15</a:t>
+              <a:t>2024/7/18</a:t>
             </a:fld>
             <a:endParaRPr lang="zh-TW" altLang="en-US"/>
           </a:p>
@@ -3190,7 +3195,7 @@
           <a:p>
             <a:fld id="{D2404376-2B65-46E7-AF6B-B4B349C2A528}" type="datetimeFigureOut">
               <a:rPr lang="zh-TW" altLang="en-US" smtClean="0"/>
-              <a:t>2024/7/15</a:t>
+              <a:t>2024/7/18</a:t>
             </a:fld>
             <a:endParaRPr lang="zh-TW" altLang="en-US"/>
           </a:p>
@@ -3438,7 +3443,7 @@
           <a:p>
             <a:fld id="{D2404376-2B65-46E7-AF6B-B4B349C2A528}" type="datetimeFigureOut">
               <a:rPr lang="zh-TW" altLang="en-US" smtClean="0"/>
-              <a:t>2024/7/15</a:t>
+              <a:t>2024/7/18</a:t>
             </a:fld>
             <a:endParaRPr lang="zh-TW" altLang="en-US"/>
           </a:p>
@@ -3736,7 +3741,7 @@
           <a:p>
             <a:fld id="{D2404376-2B65-46E7-AF6B-B4B349C2A528}" type="datetimeFigureOut">
               <a:rPr lang="zh-TW" altLang="en-US" smtClean="0"/>
-              <a:t>2024/7/15</a:t>
+              <a:t>2024/7/18</a:t>
             </a:fld>
             <a:endParaRPr lang="zh-TW" altLang="en-US"/>
           </a:p>
@@ -4130,7 +4135,7 @@
           <a:p>
             <a:fld id="{D2404376-2B65-46E7-AF6B-B4B349C2A528}" type="datetimeFigureOut">
               <a:rPr lang="zh-TW" altLang="en-US" smtClean="0"/>
-              <a:t>2024/7/15</a:t>
+              <a:t>2024/7/18</a:t>
             </a:fld>
             <a:endParaRPr lang="zh-TW" altLang="en-US"/>
           </a:p>
@@ -4279,7 +4284,7 @@
           <a:p>
             <a:fld id="{D2404376-2B65-46E7-AF6B-B4B349C2A528}" type="datetimeFigureOut">
               <a:rPr lang="zh-TW" altLang="en-US" smtClean="0"/>
-              <a:t>2024/7/15</a:t>
+              <a:t>2024/7/18</a:t>
             </a:fld>
             <a:endParaRPr lang="zh-TW" altLang="en-US"/>
           </a:p>
@@ -4405,7 +4410,7 @@
           <a:p>
             <a:fld id="{D2404376-2B65-46E7-AF6B-B4B349C2A528}" type="datetimeFigureOut">
               <a:rPr lang="zh-TW" altLang="en-US" smtClean="0"/>
-              <a:t>2024/7/15</a:t>
+              <a:t>2024/7/18</a:t>
             </a:fld>
             <a:endParaRPr lang="zh-TW" altLang="en-US"/>
           </a:p>
@@ -4660,7 +4665,7 @@
           <a:p>
             <a:fld id="{D2404376-2B65-46E7-AF6B-B4B349C2A528}" type="datetimeFigureOut">
               <a:rPr lang="zh-TW" altLang="en-US" smtClean="0"/>
-              <a:t>2024/7/15</a:t>
+              <a:t>2024/7/18</a:t>
             </a:fld>
             <a:endParaRPr lang="zh-TW" altLang="en-US"/>
           </a:p>
@@ -4975,7 +4980,7 @@
           <a:p>
             <a:fld id="{D2404376-2B65-46E7-AF6B-B4B349C2A528}" type="datetimeFigureOut">
               <a:rPr lang="zh-TW" altLang="en-US" smtClean="0"/>
-              <a:t>2024/7/15</a:t>
+              <a:t>2024/7/18</a:t>
             </a:fld>
             <a:endParaRPr lang="zh-TW" altLang="en-US"/>
           </a:p>
@@ -5326,7 +5331,7 @@
           <a:p>
             <a:fld id="{D2404376-2B65-46E7-AF6B-B4B349C2A528}" type="datetimeFigureOut">
               <a:rPr lang="zh-TW" altLang="en-US" smtClean="0"/>
-              <a:t>2024/7/15</a:t>
+              <a:t>2024/7/18</a:t>
             </a:fld>
             <a:endParaRPr lang="zh-TW" altLang="en-US"/>
           </a:p>
@@ -6114,6 +6119,31 @@
               <a:rPr lang="zh-TW" altLang="en-US" dirty="0"/>
               <a:t>搜尋論文</a:t>
             </a:r>
+            <a:endParaRPr lang="en-US" altLang="zh-TW" dirty="0"/>
+          </a:p>
+          <a:p>
+            <a:pPr algn="ctr"/>
+            <a:r>
+              <a:rPr lang="en-US" altLang="zh-TW" dirty="0"/>
+              <a:t>(</a:t>
+            </a:r>
+            <a:r>
+              <a:rPr lang="en-US" altLang="zh-TW" dirty="0" err="1"/>
+              <a:t>Arxiv</a:t>
+            </a:r>
+            <a:r>
+              <a:rPr lang="en-US" altLang="zh-TW" dirty="0"/>
+              <a:t> </a:t>
+            </a:r>
+            <a:r>
+              <a:rPr lang="en-US" altLang="zh-TW" dirty="0" err="1"/>
+              <a:t>api</a:t>
+            </a:r>
+            <a:r>
+              <a:rPr lang="en-US" altLang="zh-TW" dirty="0"/>
+              <a:t>)</a:t>
+            </a:r>
+            <a:endParaRPr lang="zh-TW" altLang="en-US" dirty="0"/>
           </a:p>
         </p:txBody>
       </p:sp>
@@ -6278,6 +6308,23 @@
               <a:rPr lang="zh-TW" altLang="en-US" dirty="0"/>
               <a:t>摘要</a:t>
             </a:r>
+            <a:endParaRPr lang="en-US" altLang="zh-TW" dirty="0"/>
+          </a:p>
+          <a:p>
+            <a:pPr algn="ctr"/>
+            <a:r>
+              <a:rPr lang="en-US" altLang="zh-TW" dirty="0"/>
+              <a:t>(</a:t>
+            </a:r>
+            <a:r>
+              <a:rPr lang="en-US" altLang="zh-TW" dirty="0" err="1"/>
+              <a:t>Gimini</a:t>
+            </a:r>
+            <a:r>
+              <a:rPr lang="en-US" altLang="zh-TW" dirty="0"/>
+              <a:t>)</a:t>
+            </a:r>
+            <a:endParaRPr lang="zh-TW" altLang="en-US" dirty="0"/>
           </a:p>
         </p:txBody>
       </p:sp>
@@ -6332,6 +6379,23 @@
               <a:rPr lang="zh-TW" altLang="en-US" dirty="0"/>
               <a:t>問答</a:t>
             </a:r>
+            <a:endParaRPr lang="en-US" altLang="zh-TW" dirty="0"/>
+          </a:p>
+          <a:p>
+            <a:pPr algn="ctr"/>
+            <a:r>
+              <a:rPr lang="en-US" altLang="zh-TW" dirty="0"/>
+              <a:t>(</a:t>
+            </a:r>
+            <a:r>
+              <a:rPr lang="en-US" altLang="zh-TW" dirty="0" err="1"/>
+              <a:t>Chatgpt</a:t>
+            </a:r>
+            <a:r>
+              <a:rPr lang="en-US" altLang="zh-TW" dirty="0"/>
+              <a:t>)</a:t>
+            </a:r>
+            <a:endParaRPr lang="zh-TW" altLang="en-US" dirty="0"/>
           </a:p>
         </p:txBody>
       </p:sp>
@@ -6386,6 +6450,35 @@
               <a:rPr lang="zh-TW" altLang="en-US" dirty="0"/>
               <a:t>段落搜尋</a:t>
             </a:r>
+            <a:endParaRPr lang="en-US" altLang="zh-TW" dirty="0"/>
+          </a:p>
+          <a:p>
+            <a:pPr algn="ctr"/>
+            <a:r>
+              <a:rPr lang="en-US" altLang="zh-TW" dirty="0"/>
+              <a:t>(</a:t>
+            </a:r>
+            <a:r>
+              <a:rPr lang="en-US" altLang="zh-TW" dirty="0" err="1"/>
+              <a:t>Tavily</a:t>
+            </a:r>
+            <a:r>
+              <a:rPr lang="en-US" altLang="zh-TW"/>
+              <a:t> + Arxiv</a:t>
+            </a:r>
+            <a:r>
+              <a:rPr lang="en-US" altLang="zh-TW" dirty="0"/>
+              <a:t> </a:t>
+            </a:r>
+            <a:r>
+              <a:rPr lang="en-US" altLang="zh-TW" dirty="0" err="1"/>
+              <a:t>api</a:t>
+            </a:r>
+            <a:r>
+              <a:rPr lang="en-US" altLang="zh-TW" dirty="0"/>
+              <a:t>)</a:t>
+            </a:r>
+            <a:endParaRPr lang="zh-TW" altLang="en-US" dirty="0"/>
           </a:p>
         </p:txBody>
       </p:sp>

--- a/論文閱讀器.pptx
+++ b/論文閱讀器.pptx
@@ -6463,8 +6463,12 @@
               <a:t>Tavily</a:t>
             </a:r>
             <a:r>
-              <a:rPr lang="en-US" altLang="zh-TW"/>
-              <a:t> + Arxiv</a:t>
+              <a:rPr lang="en-US" altLang="zh-TW" dirty="0"/>
+              <a:t> + </a:t>
+            </a:r>
+            <a:r>
+              <a:rPr lang="en-US" altLang="zh-TW" dirty="0" err="1"/>
+              <a:t>Arxiv</a:t>
             </a:r>
             <a:r>
               <a:rPr lang="en-US" altLang="zh-TW" dirty="0"/>
